--- a/Android Autotest Tool.pptx
+++ b/Android Autotest Tool.pptx
@@ -4933,9 +4933,9 @@
         <p:grpSpPr>
           <a:xfrm>
             <a:off x="1295400" y="304800"/>
-            <a:ext cx="7734300" cy="3367709"/>
+            <a:ext cx="7394713" cy="5715000"/>
             <a:chOff x="3200400" y="304800"/>
-            <a:chExt cx="6219334" cy="3367709"/>
+            <a:chExt cx="5946264" cy="5715000"/>
           </a:xfrm>
         </p:grpSpPr>
         <p:sp>
@@ -5038,7 +5038,7 @@
           </p:nvSpPr>
           <p:spPr>
             <a:xfrm>
-              <a:off x="6447934" y="2377109"/>
+              <a:off x="6174864" y="4724400"/>
               <a:ext cx="2971800" cy="1295400"/>
             </a:xfrm>
             <a:prstGeom prst="ellipse">
@@ -5122,7 +5122,7 @@
           <p:spPr>
             <a:xfrm>
               <a:off x="5715000" y="3009900"/>
-              <a:ext cx="732934" cy="14909"/>
+              <a:ext cx="459864" cy="2362200"/>
             </a:xfrm>
             <a:prstGeom prst="straightConnector1">
               <a:avLst/>
@@ -6129,9 +6129,9 @@
         <p:grpSpPr>
           <a:xfrm>
             <a:off x="3200400" y="304800"/>
-            <a:ext cx="5867400" cy="3361330"/>
+            <a:ext cx="5867400" cy="5791200"/>
             <a:chOff x="3200400" y="304800"/>
-            <a:chExt cx="5867400" cy="3361330"/>
+            <a:chExt cx="5867400" cy="5791200"/>
           </a:xfrm>
         </p:grpSpPr>
         <p:sp>
@@ -6234,7 +6234,7 @@
           </p:nvSpPr>
           <p:spPr>
             <a:xfrm>
-              <a:off x="6096000" y="2370730"/>
+              <a:off x="6096000" y="4800600"/>
               <a:ext cx="2971800" cy="1295400"/>
             </a:xfrm>
             <a:prstGeom prst="ellipse">
@@ -6318,7 +6318,7 @@
           <p:spPr>
             <a:xfrm>
               <a:off x="5715000" y="3009900"/>
-              <a:ext cx="381000" cy="8530"/>
+              <a:ext cx="381000" cy="2438400"/>
             </a:xfrm>
             <a:prstGeom prst="straightConnector1">
               <a:avLst/>
@@ -7105,7 +7105,7 @@
           <a:graphicData uri="http://schemas.openxmlformats.org/presentationml/2006/ole">
             <mc:AlternateContent xmlns:mc="http://schemas.openxmlformats.org/markup-compatibility/2006">
               <mc:Choice xmlns:v="urn:schemas-microsoft-com:vml" Requires="v">
-                <p:oleObj spid="_x0000_s1052" r:id="rId3" imgW="5489101" imgH="685800" progId="Photoshop.Image.13">
+                <p:oleObj spid="_x0000_s1054" r:id="rId3" imgW="5489101" imgH="685800" progId="Photoshop.Image.13">
                   <p:embed/>
                 </p:oleObj>
               </mc:Choice>
@@ -7362,7 +7362,7 @@
           <a:graphicData uri="http://schemas.openxmlformats.org/presentationml/2006/ole">
             <mc:AlternateContent xmlns:mc="http://schemas.openxmlformats.org/markup-compatibility/2006">
               <mc:Choice xmlns:v="urn:schemas-microsoft-com:vml" Requires="v">
-                <p:oleObj spid="_x0000_s1053" name="Image" r:id="rId6" imgW="5489101" imgH="3429000" progId="Photoshop.Image.13">
+                <p:oleObj spid="_x0000_s1055" name="Image" r:id="rId6" imgW="5489101" imgH="3429000" progId="Photoshop.Image.13">
                   <p:embed/>
                 </p:oleObj>
               </mc:Choice>
@@ -7592,7 +7592,7 @@
           <a:graphicData uri="http://schemas.openxmlformats.org/presentationml/2006/ole">
             <mc:AlternateContent xmlns:mc="http://schemas.openxmlformats.org/markup-compatibility/2006">
               <mc:Choice xmlns:v="urn:schemas-microsoft-com:vml" Requires="v">
-                <p:oleObj spid="_x0000_s2085" name="Image" r:id="rId3" imgW="4116826" imgH="4114800" progId="Photoshop.Image.13">
+                <p:oleObj spid="_x0000_s2088" name="Image" r:id="rId3" imgW="4116826" imgH="4114800" progId="Photoshop.Image.13">
                   <p:embed/>
                 </p:oleObj>
               </mc:Choice>
@@ -7731,7 +7731,7 @@
           <a:graphicData uri="http://schemas.openxmlformats.org/presentationml/2006/ole">
             <mc:AlternateContent xmlns:mc="http://schemas.openxmlformats.org/markup-compatibility/2006">
               <mc:Choice xmlns:v="urn:schemas-microsoft-com:vml" Requires="v">
-                <p:oleObj spid="_x0000_s2086" name="Image" r:id="rId5" imgW="4116826" imgH="3429000" progId="Photoshop.Image.13">
+                <p:oleObj spid="_x0000_s2089" name="Image" r:id="rId5" imgW="4116826" imgH="3429000" progId="Photoshop.Image.13">
                   <p:embed/>
                 </p:oleObj>
               </mc:Choice>
@@ -7870,7 +7870,7 @@
           <a:graphicData uri="http://schemas.openxmlformats.org/presentationml/2006/ole">
             <mc:AlternateContent xmlns:mc="http://schemas.openxmlformats.org/markup-compatibility/2006">
               <mc:Choice xmlns:v="urn:schemas-microsoft-com:vml" Requires="v">
-                <p:oleObj spid="_x0000_s2087" name="Image" r:id="rId7" imgW="4116826" imgH="2743200" progId="Photoshop.Image.13">
+                <p:oleObj spid="_x0000_s2090" name="Image" r:id="rId7" imgW="4116826" imgH="2743200" progId="Photoshop.Image.13">
                   <p:embed/>
                 </p:oleObj>
               </mc:Choice>
@@ -8355,7 +8355,7 @@
           <a:graphicData uri="http://schemas.openxmlformats.org/presentationml/2006/ole">
             <mc:AlternateContent xmlns:mc="http://schemas.openxmlformats.org/markup-compatibility/2006">
               <mc:Choice xmlns:v="urn:schemas-microsoft-com:vml" Requires="v">
-                <p:oleObj spid="_x0000_s3101" name="Image" r:id="rId3" imgW="5489101" imgH="4114800" progId="Photoshop.Image.13">
+                <p:oleObj spid="_x0000_s3103" name="Image" r:id="rId3" imgW="5489101" imgH="4114800" progId="Photoshop.Image.13">
                   <p:embed/>
                 </p:oleObj>
               </mc:Choice>
@@ -8494,7 +8494,7 @@
           <a:graphicData uri="http://schemas.openxmlformats.org/presentationml/2006/ole">
             <mc:AlternateContent xmlns:mc="http://schemas.openxmlformats.org/markup-compatibility/2006">
               <mc:Choice xmlns:v="urn:schemas-microsoft-com:vml" Requires="v">
-                <p:oleObj spid="_x0000_s3102" name="Image" r:id="rId5" imgW="2744551" imgH="2743200" progId="Photoshop.Image.13">
+                <p:oleObj spid="_x0000_s3104" name="Image" r:id="rId5" imgW="2744551" imgH="2743200" progId="Photoshop.Image.13">
                   <p:embed/>
                 </p:oleObj>
               </mc:Choice>
@@ -8947,7 +8947,7 @@
           <a:graphicData uri="http://schemas.openxmlformats.org/presentationml/2006/ole">
             <mc:AlternateContent xmlns:mc="http://schemas.openxmlformats.org/markup-compatibility/2006">
               <mc:Choice xmlns:v="urn:schemas-microsoft-com:vml" Requires="v">
-                <p:oleObj spid="_x0000_s4109" name="Image" r:id="rId3" imgW="6175239" imgH="4114800" progId="Photoshop.Image.13">
+                <p:oleObj spid="_x0000_s4110" name="Image" r:id="rId3" imgW="6175239" imgH="4114800" progId="Photoshop.Image.13">
                   <p:embed/>
                 </p:oleObj>
               </mc:Choice>
